--- a/ECal_pretrigger_2018.05.pptx
+++ b/ECal_pretrigger_2018.05.pptx
@@ -143,7 +143,7 @@
   </p:defaultTextStyle>
   <p:extLst>
     <p:ext uri="{EFAFB233-063F-42B5-8137-9DF3F51BA10A}">
-      <p15:sldGuideLst xmlns:p15="http://schemas.microsoft.com/office/powerpoint/2012/main" xmlns="">
+      <p15:sldGuideLst xmlns="" xmlns:p15="http://schemas.microsoft.com/office/powerpoint/2012/main">
         <p15:guide id="1" orient="horz" pos="2160">
           <p15:clr>
             <a:srgbClr val="A4A3A4"/>
@@ -157,7 +157,7 @@
       </p15:sldGuideLst>
     </p:ext>
     <p:ext uri="{2D200454-40CA-4A62-9FC3-DE9A4176ACB9}">
-      <p15:notesGuideLst xmlns:p15="http://schemas.microsoft.com/office/powerpoint/2012/main" xmlns="">
+      <p15:notesGuideLst xmlns="" xmlns:p15="http://schemas.microsoft.com/office/powerpoint/2012/main">
         <p15:guide id="1" orient="horz" pos="3224">
           <p15:clr>
             <a:srgbClr val="A4A3A4"/>
@@ -10987,11 +10987,7 @@
             </a:r>
             <a:r>
               <a:rPr lang="en-US" dirty="0" smtClean="0"/>
-              <a:t>boards (2048 crystals</a:t>
-            </a:r>
-            <a:r>
-              <a:rPr lang="en-US" dirty="0" smtClean="0"/>
-              <a:t>).</a:t>
+              <a:t>boards (2048 crystals).</a:t>
             </a:r>
           </a:p>
           <a:p>
@@ -11008,11 +11004,7 @@
             </a:pPr>
             <a:r>
               <a:rPr lang="en-US" dirty="0" smtClean="0"/>
-              <a:t>Connector </a:t>
-            </a:r>
-            <a:r>
-              <a:rPr lang="en-US" dirty="0" smtClean="0"/>
-              <a:t>with previous/next </a:t>
+              <a:t>Connector with previous/next </a:t>
             </a:r>
             <a:r>
               <a:rPr lang="en-US" dirty="0"/>
@@ -11623,25 +11615,25 @@
           <p:nvPr>
             <p:extLst>
               <p:ext uri="{D42A27DB-BD31-4B8C-83A1-F6EECF244321}">
-                <p14:modId xmlns:p14="http://schemas.microsoft.com/office/powerpoint/2010/main" val="621903256"/>
+                <p14:modId xmlns:p14="http://schemas.microsoft.com/office/powerpoint/2010/main" val="2639908287"/>
               </p:ext>
             </p:extLst>
           </p:nvPr>
         </p:nvGraphicFramePr>
         <p:xfrm>
-          <a:off x="1200944" y="1412776"/>
-          <a:ext cx="6742112" cy="2808287"/>
+          <a:off x="1201738" y="1539875"/>
+          <a:ext cx="6740525" cy="2554288"/>
         </p:xfrm>
         <a:graphic>
           <a:graphicData uri="http://schemas.openxmlformats.org/presentationml/2006/ole">
             <mc:AlternateContent xmlns:mc="http://schemas.openxmlformats.org/markup-compatibility/2006">
               <mc:Choice xmlns:v="urn:schemas-microsoft-com:vml" Requires="v">
-                <p:oleObj spid="_x0000_s1266" name="Лист" r:id="rId3" imgW="5886467" imgH="2104920" progId="Excel.Sheet.12">
+                <p:oleObj spid="_x0000_s1267" name="Лист" r:id="rId3" imgW="5886467" imgH="1914570" progId="Excel.Sheet.12">
                   <p:embed/>
                 </p:oleObj>
               </mc:Choice>
               <mc:Fallback>
-                <p:oleObj name="Лист" r:id="rId3" imgW="5886467" imgH="2104920" progId="Excel.Sheet.12">
+                <p:oleObj name="Лист" r:id="rId3" imgW="5886467" imgH="1914570" progId="Excel.Sheet.12">
                   <p:embed/>
                   <p:pic>
                     <p:nvPicPr>
@@ -11660,8 +11652,8 @@
                     </p:blipFill>
                     <p:spPr bwMode="auto">
                       <a:xfrm>
-                        <a:off x="1200944" y="1412776"/>
-                        <a:ext cx="6742112" cy="2808287"/>
+                        <a:off x="1201738" y="1539875"/>
+                        <a:ext cx="6740525" cy="2554288"/>
                       </a:xfrm>
                       <a:prstGeom prst="rect">
                         <a:avLst/>
